--- a/Presentation1.pptx
+++ b/Presentation1.pptx
@@ -269,7 +269,7 @@
           <a:p>
             <a:fld id="{75138593-3D65-45B0-9BDF-34A0F825F23D}" type="datetimeFigureOut">
               <a:rPr lang="en-GB" smtClean="0"/>
-              <a:t>06/06/2023</a:t>
+              <a:t>26/07/2023</a:t>
             </a:fld>
             <a:endParaRPr lang="en-GB"/>
           </a:p>
@@ -439,7 +439,7 @@
           <a:p>
             <a:fld id="{75138593-3D65-45B0-9BDF-34A0F825F23D}" type="datetimeFigureOut">
               <a:rPr lang="en-GB" smtClean="0"/>
-              <a:t>06/06/2023</a:t>
+              <a:t>26/07/2023</a:t>
             </a:fld>
             <a:endParaRPr lang="en-GB"/>
           </a:p>
@@ -619,7 +619,7 @@
           <a:p>
             <a:fld id="{75138593-3D65-45B0-9BDF-34A0F825F23D}" type="datetimeFigureOut">
               <a:rPr lang="en-GB" smtClean="0"/>
-              <a:t>06/06/2023</a:t>
+              <a:t>26/07/2023</a:t>
             </a:fld>
             <a:endParaRPr lang="en-GB"/>
           </a:p>
@@ -789,7 +789,7 @@
           <a:p>
             <a:fld id="{75138593-3D65-45B0-9BDF-34A0F825F23D}" type="datetimeFigureOut">
               <a:rPr lang="en-GB" smtClean="0"/>
-              <a:t>06/06/2023</a:t>
+              <a:t>26/07/2023</a:t>
             </a:fld>
             <a:endParaRPr lang="en-GB"/>
           </a:p>
@@ -1033,7 +1033,7 @@
           <a:p>
             <a:fld id="{75138593-3D65-45B0-9BDF-34A0F825F23D}" type="datetimeFigureOut">
               <a:rPr lang="en-GB" smtClean="0"/>
-              <a:t>06/06/2023</a:t>
+              <a:t>26/07/2023</a:t>
             </a:fld>
             <a:endParaRPr lang="en-GB"/>
           </a:p>
@@ -1265,7 +1265,7 @@
           <a:p>
             <a:fld id="{75138593-3D65-45B0-9BDF-34A0F825F23D}" type="datetimeFigureOut">
               <a:rPr lang="en-GB" smtClean="0"/>
-              <a:t>06/06/2023</a:t>
+              <a:t>26/07/2023</a:t>
             </a:fld>
             <a:endParaRPr lang="en-GB"/>
           </a:p>
@@ -1632,7 +1632,7 @@
           <a:p>
             <a:fld id="{75138593-3D65-45B0-9BDF-34A0F825F23D}" type="datetimeFigureOut">
               <a:rPr lang="en-GB" smtClean="0"/>
-              <a:t>06/06/2023</a:t>
+              <a:t>26/07/2023</a:t>
             </a:fld>
             <a:endParaRPr lang="en-GB"/>
           </a:p>
@@ -1750,7 +1750,7 @@
           <a:p>
             <a:fld id="{75138593-3D65-45B0-9BDF-34A0F825F23D}" type="datetimeFigureOut">
               <a:rPr lang="en-GB" smtClean="0"/>
-              <a:t>06/06/2023</a:t>
+              <a:t>26/07/2023</a:t>
             </a:fld>
             <a:endParaRPr lang="en-GB"/>
           </a:p>
@@ -1845,7 +1845,7 @@
           <a:p>
             <a:fld id="{75138593-3D65-45B0-9BDF-34A0F825F23D}" type="datetimeFigureOut">
               <a:rPr lang="en-GB" smtClean="0"/>
-              <a:t>06/06/2023</a:t>
+              <a:t>26/07/2023</a:t>
             </a:fld>
             <a:endParaRPr lang="en-GB"/>
           </a:p>
@@ -2122,7 +2122,7 @@
           <a:p>
             <a:fld id="{75138593-3D65-45B0-9BDF-34A0F825F23D}" type="datetimeFigureOut">
               <a:rPr lang="en-GB" smtClean="0"/>
-              <a:t>06/06/2023</a:t>
+              <a:t>26/07/2023</a:t>
             </a:fld>
             <a:endParaRPr lang="en-GB"/>
           </a:p>
@@ -2379,7 +2379,7 @@
           <a:p>
             <a:fld id="{75138593-3D65-45B0-9BDF-34A0F825F23D}" type="datetimeFigureOut">
               <a:rPr lang="en-GB" smtClean="0"/>
-              <a:t>06/06/2023</a:t>
+              <a:t>26/07/2023</a:t>
             </a:fld>
             <a:endParaRPr lang="en-GB"/>
           </a:p>
@@ -2592,7 +2592,7 @@
           <a:p>
             <a:fld id="{75138593-3D65-45B0-9BDF-34A0F825F23D}" type="datetimeFigureOut">
               <a:rPr lang="en-GB" smtClean="0"/>
-              <a:t>06/06/2023</a:t>
+              <a:t>26/07/2023</a:t>
             </a:fld>
             <a:endParaRPr lang="en-GB"/>
           </a:p>
@@ -3021,8 +3021,8 @@
         </p:nvCxnSpPr>
         <p:spPr>
           <a:xfrm flipH="1" flipV="1">
-            <a:off x="2084795" y="11964202"/>
-            <a:ext cx="19252" cy="9947532"/>
+            <a:off x="2084795" y="10424160"/>
+            <a:ext cx="19252" cy="11487574"/>
           </a:xfrm>
           <a:prstGeom prst="straightConnector1">
             <a:avLst/>
@@ -4113,6 +4113,91 @@
                 <a:latin typeface="Audiowide" panose="02000503000000020004" pitchFamily="2" charset="0"/>
               </a:rPr>
               <a:t>Apr</a:t>
+            </a:r>
+          </a:p>
+        </p:txBody>
+      </p:sp>
+      <p:cxnSp>
+        <p:nvCxnSpPr>
+          <p:cNvPr id="33" name="Straight Arrow Connector 32">
+            <a:extLst>
+              <a:ext uri="{FF2B5EF4-FFF2-40B4-BE49-F238E27FC236}">
+                <a16:creationId xmlns:a16="http://schemas.microsoft.com/office/drawing/2014/main" id="{0BAFD51D-DF6F-4DEE-B007-3A6BCAA9B763}"/>
+              </a:ext>
+            </a:extLst>
+          </p:cNvPr>
+          <p:cNvCxnSpPr>
+            <a:cxnSpLocks/>
+          </p:cNvCxnSpPr>
+          <p:nvPr/>
+        </p:nvCxnSpPr>
+        <p:spPr>
+          <a:xfrm>
+            <a:off x="2084795" y="12134165"/>
+            <a:ext cx="3443938" cy="7240"/>
+          </a:xfrm>
+          <a:prstGeom prst="straightConnector1">
+            <a:avLst/>
+          </a:prstGeom>
+          <a:ln w="3175">
+            <a:solidFill>
+              <a:schemeClr val="bg1"/>
+            </a:solidFill>
+            <a:prstDash val="sysDash"/>
+            <a:tailEnd type="none"/>
+          </a:ln>
+        </p:spPr>
+        <p:style>
+          <a:lnRef idx="1">
+            <a:schemeClr val="accent1"/>
+          </a:lnRef>
+          <a:fillRef idx="0">
+            <a:schemeClr val="accent1"/>
+          </a:fillRef>
+          <a:effectRef idx="0">
+            <a:schemeClr val="accent1"/>
+          </a:effectRef>
+          <a:fontRef idx="minor">
+            <a:schemeClr val="tx1"/>
+          </a:fontRef>
+        </p:style>
+      </p:cxnSp>
+      <p:sp>
+        <p:nvSpPr>
+          <p:cNvPr id="35" name="TextBox 34">
+            <a:extLst>
+              <a:ext uri="{FF2B5EF4-FFF2-40B4-BE49-F238E27FC236}">
+                <a16:creationId xmlns:a16="http://schemas.microsoft.com/office/drawing/2014/main" id="{29E6581F-3B54-4A18-B95E-279B935ADF75}"/>
+              </a:ext>
+            </a:extLst>
+          </p:cNvPr>
+          <p:cNvSpPr txBox="1"/>
+          <p:nvPr/>
+        </p:nvSpPr>
+        <p:spPr>
+          <a:xfrm>
+            <a:off x="1589504" y="12001619"/>
+            <a:ext cx="598546" cy="253057"/>
+          </a:xfrm>
+          <a:prstGeom prst="rect">
+            <a:avLst/>
+          </a:prstGeom>
+          <a:noFill/>
+        </p:spPr>
+        <p:txBody>
+          <a:bodyPr wrap="square" rtlCol="0">
+            <a:spAutoFit/>
+          </a:bodyPr>
+          <a:lstStyle/>
+          <a:p>
+            <a:r>
+              <a:rPr lang="en-GB" sz="1000" dirty="0">
+                <a:solidFill>
+                  <a:schemeClr val="bg1"/>
+                </a:solidFill>
+                <a:latin typeface="Audiowide" panose="02000503000000020004" pitchFamily="2" charset="0"/>
+              </a:rPr>
+              <a:t>Sept</a:t>
             </a:r>
           </a:p>
         </p:txBody>
